--- a/PPT-Digital Portfolio.pptx
+++ b/PPT-Digital Portfolio.pptx
@@ -14,10 +14,8 @@
     <p:sldId id="263" r:id="rId8"/>
     <p:sldId id="261" r:id="rId9"/>
     <p:sldId id="262" r:id="rId10"/>
-    <p:sldId id="265" r:id="rId11"/>
-    <p:sldId id="268" r:id="rId12"/>
-    <p:sldId id="269" r:id="rId13"/>
-    <p:sldId id="267" r:id="rId14"/>
+    <p:sldId id="269" r:id="rId11"/>
+    <p:sldId id="267" r:id="rId12"/>
   </p:sldIdLst>
   <p:sldSz cx="12192000" cy="6858000"/>
   <p:notesSz cx="6858000" cy="9144000"/>
@@ -118,7 +116,7 @@
   </p:defaultTextStyle>
   <p:extLst>
     <p:ext uri="{EFAFB233-063F-42B5-8137-9DF3F51BA10A}">
-      <p15:sldGuideLst xmlns:p15="http://schemas.microsoft.com/office/powerpoint/2012/main" xmlns=""/>
+      <p15:sldGuideLst xmlns="" xmlns:p15="http://schemas.microsoft.com/office/powerpoint/2012/main"/>
     </p:ext>
   </p:extLst>
 </p:presentation>
@@ -1016,7 +1014,7 @@
     </p:spTree>
     <p:extLst>
       <p:ext uri="{BB962C8B-B14F-4D97-AF65-F5344CB8AC3E}">
-        <p14:creationId xmlns:p14="http://schemas.microsoft.com/office/powerpoint/2010/main" xmlns="" val="787432837"/>
+        <p14:creationId xmlns="" xmlns:p14="http://schemas.microsoft.com/office/powerpoint/2010/main" val="787432837"/>
       </p:ext>
     </p:extLst>
   </p:cSld>
@@ -1269,7 +1267,7 @@
     </p:spTree>
     <p:extLst>
       <p:ext uri="{BB962C8B-B14F-4D97-AF65-F5344CB8AC3E}">
-        <p14:creationId xmlns:p14="http://schemas.microsoft.com/office/powerpoint/2010/main" xmlns="" val="762479853"/>
+        <p14:creationId xmlns="" xmlns:p14="http://schemas.microsoft.com/office/powerpoint/2010/main" val="762479853"/>
       </p:ext>
     </p:extLst>
   </p:cSld>
@@ -1661,7 +1659,7 @@
     </p:spTree>
     <p:extLst>
       <p:ext uri="{BB962C8B-B14F-4D97-AF65-F5344CB8AC3E}">
-        <p14:creationId xmlns:p14="http://schemas.microsoft.com/office/powerpoint/2010/main" xmlns="" val="3630474546"/>
+        <p14:creationId xmlns="" xmlns:p14="http://schemas.microsoft.com/office/powerpoint/2010/main" val="3630474546"/>
       </p:ext>
     </p:extLst>
   </p:cSld>
@@ -1914,7 +1912,7 @@
     </p:spTree>
     <p:extLst>
       <p:ext uri="{BB962C8B-B14F-4D97-AF65-F5344CB8AC3E}">
-        <p14:creationId xmlns:p14="http://schemas.microsoft.com/office/powerpoint/2010/main" xmlns="" val="220993445"/>
+        <p14:creationId xmlns="" xmlns:p14="http://schemas.microsoft.com/office/powerpoint/2010/main" val="220993445"/>
       </p:ext>
     </p:extLst>
   </p:cSld>
@@ -2306,7 +2304,7 @@
     </p:spTree>
     <p:extLst>
       <p:ext uri="{BB962C8B-B14F-4D97-AF65-F5344CB8AC3E}">
-        <p14:creationId xmlns:p14="http://schemas.microsoft.com/office/powerpoint/2010/main" xmlns="" val="3985765988"/>
+        <p14:creationId xmlns="" xmlns:p14="http://schemas.microsoft.com/office/powerpoint/2010/main" val="3985765988"/>
       </p:ext>
     </p:extLst>
   </p:cSld>
@@ -2619,7 +2617,7 @@
     </p:spTree>
     <p:extLst>
       <p:ext uri="{BB962C8B-B14F-4D97-AF65-F5344CB8AC3E}">
-        <p14:creationId xmlns:p14="http://schemas.microsoft.com/office/powerpoint/2010/main" xmlns="" val="1537074482"/>
+        <p14:creationId xmlns="" xmlns:p14="http://schemas.microsoft.com/office/powerpoint/2010/main" val="1537074482"/>
       </p:ext>
     </p:extLst>
   </p:cSld>
@@ -2791,7 +2789,7 @@
     </p:spTree>
     <p:extLst>
       <p:ext uri="{BB962C8B-B14F-4D97-AF65-F5344CB8AC3E}">
-        <p14:creationId xmlns:p14="http://schemas.microsoft.com/office/powerpoint/2010/main" xmlns="" val="3289712041"/>
+        <p14:creationId xmlns="" xmlns:p14="http://schemas.microsoft.com/office/powerpoint/2010/main" val="3289712041"/>
       </p:ext>
     </p:extLst>
   </p:cSld>
@@ -2973,7 +2971,7 @@
     </p:spTree>
     <p:extLst>
       <p:ext uri="{BB962C8B-B14F-4D97-AF65-F5344CB8AC3E}">
-        <p14:creationId xmlns:p14="http://schemas.microsoft.com/office/powerpoint/2010/main" xmlns="" val="1458764772"/>
+        <p14:creationId xmlns="" xmlns:p14="http://schemas.microsoft.com/office/powerpoint/2010/main" val="1458764772"/>
       </p:ext>
     </p:extLst>
   </p:cSld>
@@ -3145,7 +3143,7 @@
     </p:spTree>
     <p:extLst>
       <p:ext uri="{BB962C8B-B14F-4D97-AF65-F5344CB8AC3E}">
-        <p14:creationId xmlns:p14="http://schemas.microsoft.com/office/powerpoint/2010/main" xmlns="" val="909098186"/>
+        <p14:creationId xmlns="" xmlns:p14="http://schemas.microsoft.com/office/powerpoint/2010/main" val="909098186"/>
       </p:ext>
     </p:extLst>
   </p:cSld>
@@ -3394,7 +3392,7 @@
     </p:spTree>
     <p:extLst>
       <p:ext uri="{BB962C8B-B14F-4D97-AF65-F5344CB8AC3E}">
-        <p14:creationId xmlns:p14="http://schemas.microsoft.com/office/powerpoint/2010/main" xmlns="" val="1697928516"/>
+        <p14:creationId xmlns="" xmlns:p14="http://schemas.microsoft.com/office/powerpoint/2010/main" val="1697928516"/>
       </p:ext>
     </p:extLst>
   </p:cSld>
@@ -3628,7 +3626,7 @@
     </p:spTree>
     <p:extLst>
       <p:ext uri="{BB962C8B-B14F-4D97-AF65-F5344CB8AC3E}">
-        <p14:creationId xmlns:p14="http://schemas.microsoft.com/office/powerpoint/2010/main" xmlns="" val="550759177"/>
+        <p14:creationId xmlns="" xmlns:p14="http://schemas.microsoft.com/office/powerpoint/2010/main" val="550759177"/>
       </p:ext>
     </p:extLst>
   </p:cSld>
@@ -4004,7 +4002,7 @@
     </p:spTree>
     <p:extLst>
       <p:ext uri="{BB962C8B-B14F-4D97-AF65-F5344CB8AC3E}">
-        <p14:creationId xmlns:p14="http://schemas.microsoft.com/office/powerpoint/2010/main" xmlns="" val="1048043846"/>
+        <p14:creationId xmlns="" xmlns:p14="http://schemas.microsoft.com/office/powerpoint/2010/main" val="1048043846"/>
       </p:ext>
     </p:extLst>
   </p:cSld>
@@ -4129,7 +4127,7 @@
     </p:spTree>
     <p:extLst>
       <p:ext uri="{BB962C8B-B14F-4D97-AF65-F5344CB8AC3E}">
-        <p14:creationId xmlns:p14="http://schemas.microsoft.com/office/powerpoint/2010/main" xmlns="" val="3436839966"/>
+        <p14:creationId xmlns="" xmlns:p14="http://schemas.microsoft.com/office/powerpoint/2010/main" val="3436839966"/>
       </p:ext>
     </p:extLst>
   </p:cSld>
@@ -4226,7 +4224,7 @@
     </p:spTree>
     <p:extLst>
       <p:ext uri="{BB962C8B-B14F-4D97-AF65-F5344CB8AC3E}">
-        <p14:creationId xmlns:p14="http://schemas.microsoft.com/office/powerpoint/2010/main" xmlns="" val="1644524138"/>
+        <p14:creationId xmlns="" xmlns:p14="http://schemas.microsoft.com/office/powerpoint/2010/main" val="1644524138"/>
       </p:ext>
     </p:extLst>
   </p:cSld>
@@ -4483,7 +4481,7 @@
     </p:spTree>
     <p:extLst>
       <p:ext uri="{BB962C8B-B14F-4D97-AF65-F5344CB8AC3E}">
-        <p14:creationId xmlns:p14="http://schemas.microsoft.com/office/powerpoint/2010/main" xmlns="" val="1026073253"/>
+        <p14:creationId xmlns="" xmlns:p14="http://schemas.microsoft.com/office/powerpoint/2010/main" val="1026073253"/>
       </p:ext>
     </p:extLst>
   </p:cSld>
@@ -4748,7 +4746,7 @@
     </p:spTree>
     <p:extLst>
       <p:ext uri="{BB962C8B-B14F-4D97-AF65-F5344CB8AC3E}">
-        <p14:creationId xmlns:p14="http://schemas.microsoft.com/office/powerpoint/2010/main" xmlns="" val="2848081838"/>
+        <p14:creationId xmlns="" xmlns:p14="http://schemas.microsoft.com/office/powerpoint/2010/main" val="2848081838"/>
       </p:ext>
     </p:extLst>
   </p:cSld>
@@ -5531,7 +5529,7 @@
     </p:spTree>
     <p:extLst>
       <p:ext uri="{BB962C8B-B14F-4D97-AF65-F5344CB8AC3E}">
-        <p14:creationId xmlns:p14="http://schemas.microsoft.com/office/powerpoint/2010/main" xmlns="" val="2742732210"/>
+        <p14:creationId xmlns="" xmlns:p14="http://schemas.microsoft.com/office/powerpoint/2010/main" val="2742732210"/>
       </p:ext>
     </p:extLst>
   </p:cSld>
@@ -6235,7 +6233,7 @@
     </p:spTree>
     <p:extLst>
       <p:ext uri="{BB962C8B-B14F-4D97-AF65-F5344CB8AC3E}">
-        <p14:creationId xmlns:p14="http://schemas.microsoft.com/office/powerpoint/2010/main" xmlns="" val="1679507496"/>
+        <p14:creationId xmlns="" xmlns:p14="http://schemas.microsoft.com/office/powerpoint/2010/main" val="1679507496"/>
       </p:ext>
     </p:extLst>
   </p:cSld>
@@ -6250,151 +6248,10 @@
   <p:cSld>
     <p:spTree>
       <p:nvGrpSpPr>
-        <p:cNvPr id="1" name=""/>
-        <p:cNvGrpSpPr/>
-        <p:nvPr/>
-      </p:nvGrpSpPr>
-      <p:grpSpPr>
-        <a:xfrm>
-          <a:off x="0" y="0"/>
-          <a:ext cx="0" cy="0"/>
-          <a:chOff x="0" y="0"/>
-          <a:chExt cx="0" cy="0"/>
-        </a:xfrm>
-      </p:grpSpPr>
-      <p:sp>
-        <p:nvSpPr>
-          <p:cNvPr id="2" name="TextBox 1"/>
-          <p:cNvSpPr txBox="1"/>
-          <p:nvPr/>
-        </p:nvSpPr>
-        <p:spPr>
-          <a:xfrm>
-            <a:off x="1429555" y="502276"/>
-            <a:ext cx="4329006" cy="584775"/>
-          </a:xfrm>
-          <a:prstGeom prst="rect">
-            <a:avLst/>
-          </a:prstGeom>
-          <a:noFill/>
-        </p:spPr>
-        <p:txBody>
-          <a:bodyPr wrap="none" rtlCol="0">
-            <a:spAutoFit/>
-          </a:bodyPr>
-          <a:lstStyle/>
-          <a:p>
-            <a:r>
-              <a:rPr lang="en-US" sz="3200" b="1" dirty="0">
-                <a:latin typeface="Times New Roman" panose="02020603050405020304" pitchFamily="18" charset="0"/>
-                <a:cs typeface="Times New Roman" panose="02020603050405020304" pitchFamily="18" charset="0"/>
-              </a:rPr>
-              <a:t>Results and screenshots</a:t>
-            </a:r>
-          </a:p>
-        </p:txBody>
-      </p:sp>
-      <p:sp>
-        <p:nvSpPr>
-          <p:cNvPr id="3" name="TextBox 2"/>
-          <p:cNvSpPr txBox="1"/>
-          <p:nvPr/>
-        </p:nvSpPr>
-        <p:spPr>
-          <a:xfrm>
-            <a:off x="1279209" y="1188356"/>
-            <a:ext cx="10826672" cy="830997"/>
-          </a:xfrm>
-          <a:prstGeom prst="rect">
-            <a:avLst/>
-          </a:prstGeom>
-          <a:noFill/>
-        </p:spPr>
-        <p:txBody>
-          <a:bodyPr wrap="square" rtlCol="0">
-            <a:spAutoFit/>
-          </a:bodyPr>
-          <a:lstStyle/>
-          <a:p>
-            <a:pPr marL="342900" indent="-342900">
-              <a:buFont typeface="Wingdings" panose="05000000000000000000" pitchFamily="2" charset="2"/>
-              <a:buChar char="Ø"/>
-            </a:pPr>
-            <a:r>
-              <a:rPr lang="en-US" sz="2400" dirty="0">
-                <a:latin typeface="Times New Roman" panose="02020603050405020304" pitchFamily="18" charset="0"/>
-                <a:cs typeface="Times New Roman" panose="02020603050405020304" pitchFamily="18" charset="0"/>
-              </a:rPr>
-              <a:t>Successfully built a working prototype.</a:t>
-            </a:r>
-          </a:p>
-          <a:p>
-            <a:pPr marL="342900" indent="-342900">
-              <a:buFont typeface="Wingdings" panose="05000000000000000000" pitchFamily="2" charset="2"/>
-              <a:buChar char="Ø"/>
-            </a:pPr>
-            <a:r>
-              <a:rPr lang="en-US" sz="2400" dirty="0">
-                <a:latin typeface="Times New Roman" panose="02020603050405020304" pitchFamily="18" charset="0"/>
-                <a:cs typeface="Times New Roman" panose="02020603050405020304" pitchFamily="18" charset="0"/>
-              </a:rPr>
-              <a:t>Results of my Portfolio</a:t>
-            </a:r>
-          </a:p>
-        </p:txBody>
-      </p:sp>
-      <p:pic>
-        <p:nvPicPr>
-          <p:cNvPr id="7" name="Picture 6">
-            <a:extLst>
-              <a:ext uri="{FF2B5EF4-FFF2-40B4-BE49-F238E27FC236}">
-                <a16:creationId xmlns:a16="http://schemas.microsoft.com/office/drawing/2014/main" xmlns="" id="{8ABC9460-C657-7F2D-5B43-3CE4237378AE}"/>
-              </a:ext>
-            </a:extLst>
-          </p:cNvPr>
-          <p:cNvPicPr>
-            <a:picLocks noChangeAspect="1"/>
-          </p:cNvPicPr>
-          <p:nvPr/>
-        </p:nvPicPr>
-        <p:blipFill>
-          <a:blip r:embed="rId2"/>
-          <a:stretch>
-            <a:fillRect/>
-          </a:stretch>
-        </p:blipFill>
-        <p:spPr>
-          <a:xfrm>
-            <a:off x="5758561" y="2120658"/>
-            <a:ext cx="5406285" cy="3537388"/>
-          </a:xfrm>
-          <a:prstGeom prst="rect">
-            <a:avLst/>
-          </a:prstGeom>
-        </p:spPr>
-      </p:pic>
-    </p:spTree>
-    <p:extLst>
-      <p:ext uri="{BB962C8B-B14F-4D97-AF65-F5344CB8AC3E}">
-        <p14:creationId xmlns:p14="http://schemas.microsoft.com/office/powerpoint/2010/main" xmlns="" val="975853502"/>
-      </p:ext>
-    </p:extLst>
-  </p:cSld>
-  <p:clrMapOvr>
-    <a:masterClrMapping/>
-  </p:clrMapOvr>
-</p:sld>
-</file>
-
-<file path=ppt/slides/slide11.xml><?xml version="1.0" encoding="utf-8"?>
-<p:sld xmlns:a="http://schemas.openxmlformats.org/drawingml/2006/main" xmlns:r="http://schemas.openxmlformats.org/officeDocument/2006/relationships" xmlns:p="http://schemas.openxmlformats.org/presentationml/2006/main">
-  <p:cSld>
-    <p:spTree>
-      <p:nvGrpSpPr>
         <p:cNvPr id="1" name="">
           <a:extLst>
             <a:ext uri="{FF2B5EF4-FFF2-40B4-BE49-F238E27FC236}">
-              <a16:creationId xmlns:a16="http://schemas.microsoft.com/office/drawing/2014/main" xmlns="" id="{979D7E8A-E67D-557C-88B8-35C8C6D1F44A}"/>
+              <a16:creationId xmlns="" xmlns:a16="http://schemas.microsoft.com/office/drawing/2014/main" id="{DFC9E2A5-14D9-9786-F888-24FF074190ED}"/>
             </a:ext>
           </a:extLst>
         </p:cNvPr>
@@ -6414,7 +6271,7 @@
           <p:cNvPr id="2" name="TextBox 1">
             <a:extLst>
               <a:ext uri="{FF2B5EF4-FFF2-40B4-BE49-F238E27FC236}">
-                <a16:creationId xmlns:a16="http://schemas.microsoft.com/office/drawing/2014/main" xmlns="" id="{EFEE01F5-2A40-09B0-81D6-52A18D21A026}"/>
+                <a16:creationId xmlns="" xmlns:a16="http://schemas.microsoft.com/office/drawing/2014/main" id="{65A8A1EB-3D52-E401-7C0A-8C8691F30B6B}"/>
               </a:ext>
             </a:extLst>
           </p:cNvPr>
@@ -6452,7 +6309,7 @@
           <p:cNvPr id="3" name="TextBox 2">
             <a:extLst>
               <a:ext uri="{FF2B5EF4-FFF2-40B4-BE49-F238E27FC236}">
-                <a16:creationId xmlns:a16="http://schemas.microsoft.com/office/drawing/2014/main" xmlns="" id="{BF4D31C2-6EB3-F88B-C280-7FD9A1645AC4}"/>
+                <a16:creationId xmlns="" xmlns:a16="http://schemas.microsoft.com/office/drawing/2014/main" id="{CF7753E6-ADA6-9DB0-C791-375466392809}"/>
               </a:ext>
             </a:extLst>
           </p:cNvPr>
@@ -6507,166 +6364,7 @@
           <p:cNvPr id="7" name="Picture 6">
             <a:extLst>
               <a:ext uri="{FF2B5EF4-FFF2-40B4-BE49-F238E27FC236}">
-                <a16:creationId xmlns:a16="http://schemas.microsoft.com/office/drawing/2014/main" xmlns="" id="{3DD3FB90-374F-4135-5CC5-E4470B2E041D}"/>
-              </a:ext>
-            </a:extLst>
-          </p:cNvPr>
-          <p:cNvPicPr>
-            <a:picLocks noChangeAspect="1"/>
-          </p:cNvPicPr>
-          <p:nvPr/>
-        </p:nvPicPr>
-        <p:blipFill>
-          <a:blip r:embed="rId2"/>
-          <a:stretch>
-            <a:fillRect/>
-          </a:stretch>
-        </p:blipFill>
-        <p:spPr>
-          <a:xfrm>
-            <a:off x="5758561" y="2120658"/>
-            <a:ext cx="5406285" cy="3537388"/>
-          </a:xfrm>
-          <a:prstGeom prst="rect">
-            <a:avLst/>
-          </a:prstGeom>
-        </p:spPr>
-      </p:pic>
-    </p:spTree>
-    <p:extLst>
-      <p:ext uri="{BB962C8B-B14F-4D97-AF65-F5344CB8AC3E}">
-        <p14:creationId xmlns:p14="http://schemas.microsoft.com/office/powerpoint/2010/main" xmlns="" val="707078009"/>
-      </p:ext>
-    </p:extLst>
-  </p:cSld>
-  <p:clrMapOvr>
-    <a:masterClrMapping/>
-  </p:clrMapOvr>
-</p:sld>
-</file>
-
-<file path=ppt/slides/slide12.xml><?xml version="1.0" encoding="utf-8"?>
-<p:sld xmlns:a="http://schemas.openxmlformats.org/drawingml/2006/main" xmlns:r="http://schemas.openxmlformats.org/officeDocument/2006/relationships" xmlns:p="http://schemas.openxmlformats.org/presentationml/2006/main">
-  <p:cSld>
-    <p:spTree>
-      <p:nvGrpSpPr>
-        <p:cNvPr id="1" name="">
-          <a:extLst>
-            <a:ext uri="{FF2B5EF4-FFF2-40B4-BE49-F238E27FC236}">
-              <a16:creationId xmlns:a16="http://schemas.microsoft.com/office/drawing/2014/main" xmlns="" id="{DFC9E2A5-14D9-9786-F888-24FF074190ED}"/>
-            </a:ext>
-          </a:extLst>
-        </p:cNvPr>
-        <p:cNvGrpSpPr/>
-        <p:nvPr/>
-      </p:nvGrpSpPr>
-      <p:grpSpPr>
-        <a:xfrm>
-          <a:off x="0" y="0"/>
-          <a:ext cx="0" cy="0"/>
-          <a:chOff x="0" y="0"/>
-          <a:chExt cx="0" cy="0"/>
-        </a:xfrm>
-      </p:grpSpPr>
-      <p:sp>
-        <p:nvSpPr>
-          <p:cNvPr id="2" name="TextBox 1">
-            <a:extLst>
-              <a:ext uri="{FF2B5EF4-FFF2-40B4-BE49-F238E27FC236}">
-                <a16:creationId xmlns:a16="http://schemas.microsoft.com/office/drawing/2014/main" xmlns="" id="{65A8A1EB-3D52-E401-7C0A-8C8691F30B6B}"/>
-              </a:ext>
-            </a:extLst>
-          </p:cNvPr>
-          <p:cNvSpPr txBox="1"/>
-          <p:nvPr/>
-        </p:nvSpPr>
-        <p:spPr>
-          <a:xfrm>
-            <a:off x="1429555" y="502276"/>
-            <a:ext cx="4329006" cy="584775"/>
-          </a:xfrm>
-          <a:prstGeom prst="rect">
-            <a:avLst/>
-          </a:prstGeom>
-          <a:noFill/>
-        </p:spPr>
-        <p:txBody>
-          <a:bodyPr wrap="none" rtlCol="0">
-            <a:spAutoFit/>
-          </a:bodyPr>
-          <a:lstStyle/>
-          <a:p>
-            <a:r>
-              <a:rPr lang="en-US" sz="3200" b="1" dirty="0">
-                <a:latin typeface="Times New Roman" panose="02020603050405020304" pitchFamily="18" charset="0"/>
-                <a:cs typeface="Times New Roman" panose="02020603050405020304" pitchFamily="18" charset="0"/>
-              </a:rPr>
-              <a:t>Results and screenshots</a:t>
-            </a:r>
-          </a:p>
-        </p:txBody>
-      </p:sp>
-      <p:sp>
-        <p:nvSpPr>
-          <p:cNvPr id="3" name="TextBox 2">
-            <a:extLst>
-              <a:ext uri="{FF2B5EF4-FFF2-40B4-BE49-F238E27FC236}">
-                <a16:creationId xmlns:a16="http://schemas.microsoft.com/office/drawing/2014/main" xmlns="" id="{CF7753E6-ADA6-9DB0-C791-375466392809}"/>
-              </a:ext>
-            </a:extLst>
-          </p:cNvPr>
-          <p:cNvSpPr txBox="1"/>
-          <p:nvPr/>
-        </p:nvSpPr>
-        <p:spPr>
-          <a:xfrm>
-            <a:off x="1279209" y="1188356"/>
-            <a:ext cx="10826672" cy="830997"/>
-          </a:xfrm>
-          <a:prstGeom prst="rect">
-            <a:avLst/>
-          </a:prstGeom>
-          <a:noFill/>
-        </p:spPr>
-        <p:txBody>
-          <a:bodyPr wrap="square" rtlCol="0">
-            <a:spAutoFit/>
-          </a:bodyPr>
-          <a:lstStyle/>
-          <a:p>
-            <a:pPr marL="342900" indent="-342900">
-              <a:buFont typeface="Wingdings" panose="05000000000000000000" pitchFamily="2" charset="2"/>
-              <a:buChar char="Ø"/>
-            </a:pPr>
-            <a:r>
-              <a:rPr lang="en-US" sz="2400" dirty="0">
-                <a:latin typeface="Times New Roman" panose="02020603050405020304" pitchFamily="18" charset="0"/>
-                <a:cs typeface="Times New Roman" panose="02020603050405020304" pitchFamily="18" charset="0"/>
-              </a:rPr>
-              <a:t>Successfully built a working prototype.</a:t>
-            </a:r>
-          </a:p>
-          <a:p>
-            <a:pPr marL="342900" indent="-342900">
-              <a:buFont typeface="Wingdings" panose="05000000000000000000" pitchFamily="2" charset="2"/>
-              <a:buChar char="Ø"/>
-            </a:pPr>
-            <a:r>
-              <a:rPr lang="en-US" sz="2400" dirty="0">
-                <a:latin typeface="Times New Roman" panose="02020603050405020304" pitchFamily="18" charset="0"/>
-                <a:cs typeface="Times New Roman" panose="02020603050405020304" pitchFamily="18" charset="0"/>
-              </a:rPr>
-              <a:t>Results of my Portfolio</a:t>
-            </a:r>
-          </a:p>
-        </p:txBody>
-      </p:sp>
-      <p:pic>
-        <p:nvPicPr>
-          <p:cNvPr id="7" name="Picture 6">
-            <a:extLst>
-              <a:ext uri="{FF2B5EF4-FFF2-40B4-BE49-F238E27FC236}">
-                <a16:creationId xmlns:a16="http://schemas.microsoft.com/office/drawing/2014/main" xmlns="" id="{B6690039-1EAE-7650-CEDF-E6FD003B54EE}"/>
+                <a16:creationId xmlns="" xmlns:a16="http://schemas.microsoft.com/office/drawing/2014/main" id="{B6690039-1EAE-7650-CEDF-E6FD003B54EE}"/>
               </a:ext>
             </a:extLst>
           </p:cNvPr>
@@ -6727,7 +6425,7 @@
     </p:spTree>
     <p:extLst>
       <p:ext uri="{BB962C8B-B14F-4D97-AF65-F5344CB8AC3E}">
-        <p14:creationId xmlns:p14="http://schemas.microsoft.com/office/powerpoint/2010/main" xmlns="" val="3004378318"/>
+        <p14:creationId xmlns="" xmlns:p14="http://schemas.microsoft.com/office/powerpoint/2010/main" val="3004378318"/>
       </p:ext>
     </p:extLst>
   </p:cSld>
@@ -6737,7 +6435,7 @@
 </p:sld>
 </file>
 
-<file path=ppt/slides/slide13.xml><?xml version="1.0" encoding="utf-8"?>
+<file path=ppt/slides/slide11.xml><?xml version="1.0" encoding="utf-8"?>
 <p:sld xmlns:a="http://schemas.openxmlformats.org/drawingml/2006/main" xmlns:r="http://schemas.openxmlformats.org/officeDocument/2006/relationships" xmlns:p="http://schemas.openxmlformats.org/presentationml/2006/main">
   <p:cSld>
     <p:spTree>
@@ -6903,7 +6601,7 @@
     </p:spTree>
     <p:extLst>
       <p:ext uri="{BB962C8B-B14F-4D97-AF65-F5344CB8AC3E}">
-        <p14:creationId xmlns:p14="http://schemas.microsoft.com/office/powerpoint/2010/main" xmlns="" val="1276883319"/>
+        <p14:creationId xmlns="" xmlns:p14="http://schemas.microsoft.com/office/powerpoint/2010/main" val="1276883319"/>
       </p:ext>
     </p:extLst>
   </p:cSld>
@@ -6997,7 +6695,7 @@
     </p:spTree>
     <p:extLst>
       <p:ext uri="{BB962C8B-B14F-4D97-AF65-F5344CB8AC3E}">
-        <p14:creationId xmlns:p14="http://schemas.microsoft.com/office/powerpoint/2010/main" xmlns="" val="1872596790"/>
+        <p14:creationId xmlns="" xmlns:p14="http://schemas.microsoft.com/office/powerpoint/2010/main" val="1872596790"/>
       </p:ext>
     </p:extLst>
   </p:cSld>
@@ -7202,7 +6900,7 @@
     </p:spTree>
     <p:extLst>
       <p:ext uri="{BB962C8B-B14F-4D97-AF65-F5344CB8AC3E}">
-        <p14:creationId xmlns:p14="http://schemas.microsoft.com/office/powerpoint/2010/main" xmlns="" val="866662155"/>
+        <p14:creationId xmlns="" xmlns:p14="http://schemas.microsoft.com/office/powerpoint/2010/main" val="866662155"/>
       </p:ext>
     </p:extLst>
   </p:cSld>
@@ -7401,7 +7099,7 @@
     </p:spTree>
     <p:extLst>
       <p:ext uri="{BB962C8B-B14F-4D97-AF65-F5344CB8AC3E}">
-        <p14:creationId xmlns:p14="http://schemas.microsoft.com/office/powerpoint/2010/main" xmlns="" val="3202923872"/>
+        <p14:creationId xmlns="" xmlns:p14="http://schemas.microsoft.com/office/powerpoint/2010/main" val="3202923872"/>
       </p:ext>
     </p:extLst>
   </p:cSld>
@@ -7648,7 +7346,7 @@
     </p:spTree>
     <p:extLst>
       <p:ext uri="{BB962C8B-B14F-4D97-AF65-F5344CB8AC3E}">
-        <p14:creationId xmlns:p14="http://schemas.microsoft.com/office/powerpoint/2010/main" xmlns="" val="816869906"/>
+        <p14:creationId xmlns="" xmlns:p14="http://schemas.microsoft.com/office/powerpoint/2010/main" val="816869906"/>
       </p:ext>
     </p:extLst>
   </p:cSld>
@@ -7843,7 +7541,7 @@
     </p:spTree>
     <p:extLst>
       <p:ext uri="{BB962C8B-B14F-4D97-AF65-F5344CB8AC3E}">
-        <p14:creationId xmlns:p14="http://schemas.microsoft.com/office/powerpoint/2010/main" xmlns="" val="804618342"/>
+        <p14:creationId xmlns="" xmlns:p14="http://schemas.microsoft.com/office/powerpoint/2010/main" val="804618342"/>
       </p:ext>
     </p:extLst>
   </p:cSld>
@@ -8149,7 +7847,7 @@
     </p:spTree>
     <p:extLst>
       <p:ext uri="{BB962C8B-B14F-4D97-AF65-F5344CB8AC3E}">
-        <p14:creationId xmlns:p14="http://schemas.microsoft.com/office/powerpoint/2010/main" xmlns="" val="3272536685"/>
+        <p14:creationId xmlns="" xmlns:p14="http://schemas.microsoft.com/office/powerpoint/2010/main" val="3272536685"/>
       </p:ext>
     </p:extLst>
   </p:cSld>
@@ -8368,7 +8066,7 @@
     </p:spTree>
     <p:extLst>
       <p:ext uri="{BB962C8B-B14F-4D97-AF65-F5344CB8AC3E}">
-        <p14:creationId xmlns:p14="http://schemas.microsoft.com/office/powerpoint/2010/main" xmlns="" val="4132824510"/>
+        <p14:creationId xmlns="" xmlns:p14="http://schemas.microsoft.com/office/powerpoint/2010/main" val="4132824510"/>
       </p:ext>
     </p:extLst>
   </p:cSld>
@@ -8589,7 +8287,7 @@
     </p:spTree>
     <p:extLst>
       <p:ext uri="{BB962C8B-B14F-4D97-AF65-F5344CB8AC3E}">
-        <p14:creationId xmlns:p14="http://schemas.microsoft.com/office/powerpoint/2010/main" xmlns="" val="2082471596"/>
+        <p14:creationId xmlns="" xmlns:p14="http://schemas.microsoft.com/office/powerpoint/2010/main" val="2082471596"/>
       </p:ext>
     </p:extLst>
   </p:cSld>
@@ -8850,7 +8548,7 @@
   <a:extraClrSchemeLst/>
   <a:extLst>
     <a:ext uri="{05A4C25C-085E-4340-85A3-A5531E510DB2}">
-      <thm15:themeFamily xmlns:thm15="http://schemas.microsoft.com/office/thememl/2012/main" xmlns="" name="Facet" id="{C0C680CD-088A-49FC-A102-D699147F32B2}" vid="{23659B44-6E34-4CE8-8F0D-387DA7996826}"/>
+      <thm15:themeFamily xmlns="" xmlns:thm15="http://schemas.microsoft.com/office/thememl/2012/main" name="Facet" id="{C0C680CD-088A-49FC-A102-D699147F32B2}" vid="{23659B44-6E34-4CE8-8F0D-387DA7996826}"/>
     </a:ext>
   </a:extLst>
 </a:theme>
